--- a/Exerciese/Ch2/Chapter2.pptx
+++ b/Exerciese/Ch2/Chapter2.pptx
@@ -104,6 +104,11 @@
       </a:defRPr>
     </a:lvl9pPr>
   </p:defaultTextStyle>
+  <p:extLst>
+    <p:ext uri="{EFAFB233-063F-42B5-8137-9DF3F51BA10A}">
+      <p15:sldGuideLst xmlns:p15="http://schemas.microsoft.com/office/powerpoint/2012/main"/>
+    </p:ext>
+  </p:extLst>
 </p:presentation>
 </file>
 
@@ -3578,8 +3583,8 @@
         </p:nvSpPr>
         <p:spPr>
           <a:xfrm>
-            <a:off x="1590261" y="1282148"/>
-            <a:ext cx="8090452" cy="4571278"/>
+            <a:off x="1590260" y="3110948"/>
+            <a:ext cx="8169965" cy="2742477"/>
           </a:xfrm>
           <a:custGeom>
             <a:avLst/>
@@ -3673,7 +3678,7 @@
         </p:nvSpPr>
         <p:spPr>
           <a:xfrm>
-            <a:off x="9089335" y="1629226"/>
+            <a:off x="8835886" y="3450247"/>
             <a:ext cx="2166730" cy="369332"/>
           </a:xfrm>
           <a:prstGeom prst="rect">
@@ -3711,8 +3716,8 @@
         </p:nvSpPr>
         <p:spPr>
           <a:xfrm>
-            <a:off x="1639957" y="2773017"/>
-            <a:ext cx="8289234" cy="2246244"/>
+            <a:off x="1461052" y="934272"/>
+            <a:ext cx="8468139" cy="4080947"/>
           </a:xfrm>
           <a:custGeom>
             <a:avLst/>
@@ -3796,7 +3801,7 @@
         </p:nvSpPr>
         <p:spPr>
           <a:xfrm>
-            <a:off x="8634619" y="4496808"/>
+            <a:off x="4735995" y="3683590"/>
             <a:ext cx="1997765" cy="369332"/>
           </a:xfrm>
           <a:prstGeom prst="rect">
@@ -3834,8 +3839,8 @@
         </p:nvSpPr>
         <p:spPr>
           <a:xfrm>
-            <a:off x="1659835" y="2792896"/>
-            <a:ext cx="8100391" cy="1443811"/>
+            <a:off x="1461053" y="919777"/>
+            <a:ext cx="8299174" cy="2507120"/>
           </a:xfrm>
           <a:custGeom>
             <a:avLst/>
@@ -3929,7 +3934,7 @@
         </p:nvSpPr>
         <p:spPr>
           <a:xfrm>
-            <a:off x="2511287" y="2917926"/>
+            <a:off x="7509013" y="1324857"/>
             <a:ext cx="1997765" cy="369332"/>
           </a:xfrm>
           <a:prstGeom prst="rect">
